--- a/CoAPreport.pptx
+++ b/CoAPreport.pptx
@@ -5,7 +5,7 @@
     <p:sldMasterId id="2147483660" r:id="rId1"/>
   </p:sldMasterIdLst>
   <p:notesMasterIdLst>
-    <p:notesMasterId r:id="rId17"/>
+    <p:notesMasterId r:id="rId18"/>
   </p:notesMasterIdLst>
   <p:sldIdLst>
     <p:sldId id="337" r:id="rId2"/>
@@ -21,8 +21,9 @@
     <p:sldId id="392" r:id="rId12"/>
     <p:sldId id="387" r:id="rId13"/>
     <p:sldId id="388" r:id="rId14"/>
-    <p:sldId id="393" r:id="rId15"/>
-    <p:sldId id="355" r:id="rId16"/>
+    <p:sldId id="394" r:id="rId15"/>
+    <p:sldId id="395" r:id="rId16"/>
+    <p:sldId id="355" r:id="rId17"/>
   </p:sldIdLst>
   <p:sldSz cx="12192000" cy="6858000"/>
   <p:notesSz cx="6858000" cy="9144000"/>
@@ -744,7 +745,7 @@
             <a:fld id="{60C7912F-82EC-4CE6-A239-EEBC4A7F6F89}" type="slidenum">
               <a:rPr lang="en-US" smtClean="0"/>
               <a:pPr/>
-              <a:t>15</a:t>
+              <a:t>16</a:t>
             </a:fld>
             <a:endParaRPr lang="en-US"/>
           </a:p>
@@ -2321,15 +2322,7 @@
                   <a:srgbClr val="128CAB"/>
                 </a:solidFill>
               </a:rPr>
-              <a:t>C</a:t>
-            </a:r>
-            <a:r>
-              <a:rPr lang="en-US" sz="4400" dirty="0" smtClean="0">
-                <a:solidFill>
-                  <a:srgbClr val="128CAB"/>
-                </a:solidFill>
-              </a:rPr>
-              <a:t>onstrained of Application Protocol</a:t>
+              <a:t>Constrained of Application Protocol</a:t>
             </a:r>
             <a:endParaRPr lang="en-US" sz="2800" dirty="0">
               <a:latin typeface="Times New Roman" panose="02020603050405020304" pitchFamily="18" charset="0"/>
@@ -13751,388 +13744,6 @@
       </p:sp>
       <p:sp>
         <p:nvSpPr>
-          <p:cNvPr id="5" name="Rectangle 5"/>
-          <p:cNvSpPr>
-            <a:spLocks noChangeArrowheads="1"/>
-          </p:cNvSpPr>
-          <p:nvPr/>
-        </p:nvSpPr>
-        <p:spPr bwMode="auto">
-          <a:xfrm>
-            <a:off x="1271464" y="4149080"/>
-            <a:ext cx="9437240" cy="2354263"/>
-          </a:xfrm>
-          <a:prstGeom prst="rect">
-            <a:avLst/>
-          </a:prstGeom>
-          <a:noFill/>
-          <a:ln w="9525">
-            <a:noFill/>
-            <a:miter lim="800000"/>
-            <a:headEnd/>
-            <a:tailEnd/>
-          </a:ln>
-        </p:spPr>
-        <p:txBody>
-          <a:bodyPr wrap="square">
-            <a:spAutoFit/>
-          </a:bodyPr>
-          <a:lstStyle/>
-          <a:p>
-            <a:pPr fontAlgn="base">
-              <a:lnSpc>
-                <a:spcPct val="150000"/>
-              </a:lnSpc>
-              <a:spcBef>
-                <a:spcPct val="0"/>
-              </a:spcBef>
-              <a:spcAft>
-                <a:spcPct val="0"/>
-              </a:spcAft>
-              <a:defRPr/>
-            </a:pPr>
-            <a:r>
-              <a:rPr lang="en-US" sz="1400" b="1" dirty="0">
-                <a:solidFill>
-                  <a:srgbClr val="C00000"/>
-                </a:solidFill>
-                <a:latin typeface="Calibri"/>
-                <a:cs typeface="Arial" charset="0"/>
-              </a:rPr>
-              <a:t>Ver</a:t>
-            </a:r>
-            <a:r>
-              <a:rPr lang="en-US" sz="1400" dirty="0">
-                <a:solidFill>
-                  <a:prstClr val="black"/>
-                </a:solidFill>
-                <a:latin typeface="Calibri"/>
-                <a:cs typeface="Arial" charset="0"/>
-              </a:rPr>
-              <a:t> - Version (1)  </a:t>
-            </a:r>
-            <a:r>
-              <a:rPr lang="en-US" sz="1400" dirty="0">
-                <a:solidFill>
-                  <a:prstClr val="black"/>
-                </a:solidFill>
-                <a:latin typeface="Calibri"/>
-                <a:cs typeface="Arial" charset="0"/>
-                <a:sym typeface="Wingdings" pitchFamily="2" charset="2"/>
-              </a:rPr>
-              <a:t> </a:t>
-            </a:r>
-            <a:r>
-              <a:rPr lang="en-US" sz="1400" u="sng" dirty="0">
-                <a:solidFill>
-                  <a:prstClr val="black"/>
-                </a:solidFill>
-                <a:latin typeface="Calibri"/>
-                <a:cs typeface="Arial" charset="0"/>
-                <a:sym typeface="Wingdings" pitchFamily="2" charset="2"/>
-              </a:rPr>
-              <a:t>2 bit unsigned integer . Implementations of this field to 1 (01 binary).</a:t>
-            </a:r>
-            <a:endParaRPr lang="en-US" sz="1400" u="sng" dirty="0">
-              <a:solidFill>
-                <a:prstClr val="black"/>
-              </a:solidFill>
-              <a:latin typeface="Calibri"/>
-              <a:cs typeface="Arial" charset="0"/>
-            </a:endParaRPr>
-          </a:p>
-          <a:p>
-            <a:pPr fontAlgn="base">
-              <a:lnSpc>
-                <a:spcPct val="150000"/>
-              </a:lnSpc>
-              <a:spcBef>
-                <a:spcPct val="0"/>
-              </a:spcBef>
-              <a:spcAft>
-                <a:spcPct val="0"/>
-              </a:spcAft>
-              <a:defRPr/>
-            </a:pPr>
-            <a:r>
-              <a:rPr lang="en-US" sz="1400" b="1" dirty="0">
-                <a:solidFill>
-                  <a:srgbClr val="C00000"/>
-                </a:solidFill>
-                <a:latin typeface="Calibri"/>
-                <a:cs typeface="Arial" charset="0"/>
-              </a:rPr>
-              <a:t>T</a:t>
-            </a:r>
-            <a:r>
-              <a:rPr lang="en-US" sz="1400" dirty="0">
-                <a:solidFill>
-                  <a:prstClr val="black"/>
-                </a:solidFill>
-                <a:latin typeface="Calibri"/>
-                <a:cs typeface="Arial" charset="0"/>
-              </a:rPr>
-              <a:t> – Message Type </a:t>
-            </a:r>
-            <a:r>
-              <a:rPr lang="en-US" sz="1400" dirty="0">
-                <a:solidFill>
-                  <a:prstClr val="black"/>
-                </a:solidFill>
-                <a:latin typeface="Calibri"/>
-                <a:cs typeface="Arial" charset="0"/>
-                <a:sym typeface="Wingdings" pitchFamily="2" charset="2"/>
-              </a:rPr>
-              <a:t> </a:t>
-            </a:r>
-            <a:r>
-              <a:rPr lang="en-US" sz="1400" u="sng" dirty="0">
-                <a:solidFill>
-                  <a:prstClr val="black"/>
-                </a:solidFill>
-                <a:latin typeface="Calibri"/>
-                <a:cs typeface="Arial" charset="0"/>
-                <a:sym typeface="Wingdings" pitchFamily="2" charset="2"/>
-              </a:rPr>
-              <a:t>2- bit unsigned integer.  </a:t>
-            </a:r>
-            <a:r>
-              <a:rPr lang="en-US" sz="1400" u="sng" dirty="0">
-                <a:solidFill>
-                  <a:prstClr val="black"/>
-                </a:solidFill>
-                <a:latin typeface="Calibri"/>
-                <a:cs typeface="Arial" charset="0"/>
-              </a:rPr>
-              <a:t>(Confirmable, Non-Confirmable, Acknowledgement, Reset).</a:t>
-            </a:r>
-          </a:p>
-          <a:p>
-            <a:pPr fontAlgn="base">
-              <a:lnSpc>
-                <a:spcPct val="150000"/>
-              </a:lnSpc>
-              <a:spcBef>
-                <a:spcPct val="0"/>
-              </a:spcBef>
-              <a:spcAft>
-                <a:spcPct val="0"/>
-              </a:spcAft>
-              <a:defRPr/>
-            </a:pPr>
-            <a:r>
-              <a:rPr lang="en-US" sz="1400" b="1" dirty="0">
-                <a:solidFill>
-                  <a:srgbClr val="C00000"/>
-                </a:solidFill>
-                <a:latin typeface="Calibri"/>
-                <a:cs typeface="Arial" charset="0"/>
-              </a:rPr>
-              <a:t>TKL</a:t>
-            </a:r>
-            <a:r>
-              <a:rPr lang="en-US" sz="1400" dirty="0">
-                <a:solidFill>
-                  <a:prstClr val="black"/>
-                </a:solidFill>
-                <a:latin typeface="Calibri"/>
-                <a:cs typeface="Arial" charset="0"/>
-              </a:rPr>
-              <a:t>- Token Length </a:t>
-            </a:r>
-            <a:r>
-              <a:rPr lang="en-US" sz="1400" dirty="0">
-                <a:solidFill>
-                  <a:prstClr val="black"/>
-                </a:solidFill>
-                <a:latin typeface="Calibri"/>
-                <a:cs typeface="Arial" charset="0"/>
-                <a:sym typeface="Wingdings" pitchFamily="2" charset="2"/>
-              </a:rPr>
-              <a:t> </a:t>
-            </a:r>
-            <a:r>
-              <a:rPr lang="en-US" sz="1400" u="sng" dirty="0">
-                <a:solidFill>
-                  <a:prstClr val="black"/>
-                </a:solidFill>
-                <a:latin typeface="Calibri"/>
-                <a:cs typeface="Arial" charset="0"/>
-                <a:sym typeface="Wingdings" pitchFamily="2" charset="2"/>
-              </a:rPr>
-              <a:t>4-bit unsigned integer. Indicates the length of the variable-length Token field (0-8 bytes). </a:t>
-            </a:r>
-          </a:p>
-          <a:p>
-            <a:pPr fontAlgn="base">
-              <a:lnSpc>
-                <a:spcPct val="150000"/>
-              </a:lnSpc>
-              <a:spcBef>
-                <a:spcPct val="0"/>
-              </a:spcBef>
-              <a:spcAft>
-                <a:spcPct val="0"/>
-              </a:spcAft>
-              <a:defRPr/>
-            </a:pPr>
-            <a:r>
-              <a:rPr lang="en-US" sz="1400" b="1" dirty="0">
-                <a:solidFill>
-                  <a:srgbClr val="C00000"/>
-                </a:solidFill>
-                <a:latin typeface="Calibri"/>
-                <a:cs typeface="Arial" charset="0"/>
-              </a:rPr>
-              <a:t>Code</a:t>
-            </a:r>
-            <a:r>
-              <a:rPr lang="en-US" sz="1400" dirty="0">
-                <a:solidFill>
-                  <a:prstClr val="black"/>
-                </a:solidFill>
-                <a:latin typeface="Calibri"/>
-                <a:cs typeface="Arial" charset="0"/>
-              </a:rPr>
-              <a:t> – </a:t>
-            </a:r>
-            <a:r>
-              <a:rPr lang="en-US" sz="1400" u="sng" dirty="0">
-                <a:solidFill>
-                  <a:prstClr val="black"/>
-                </a:solidFill>
-                <a:latin typeface="Calibri"/>
-                <a:cs typeface="Arial" charset="0"/>
-              </a:rPr>
-              <a:t>8-bit unsighted integer. 3 bit class(most signification bits). 5 bits detail (least significant bits).</a:t>
-            </a:r>
-            <a:r>
-              <a:rPr lang="en-US" sz="1400" dirty="0">
-                <a:solidFill>
-                  <a:prstClr val="black"/>
-                </a:solidFill>
-                <a:latin typeface="Calibri"/>
-                <a:cs typeface="Arial" charset="0"/>
-              </a:rPr>
-              <a:t>   </a:t>
-            </a:r>
-          </a:p>
-          <a:p>
-            <a:pPr fontAlgn="base">
-              <a:lnSpc>
-                <a:spcPct val="150000"/>
-              </a:lnSpc>
-              <a:spcBef>
-                <a:spcPct val="0"/>
-              </a:spcBef>
-              <a:spcAft>
-                <a:spcPct val="0"/>
-              </a:spcAft>
-              <a:defRPr/>
-            </a:pPr>
-            <a:r>
-              <a:rPr lang="en-US" sz="1400" dirty="0">
-                <a:solidFill>
-                  <a:prstClr val="black"/>
-                </a:solidFill>
-                <a:latin typeface="Calibri"/>
-                <a:cs typeface="Arial" charset="0"/>
-              </a:rPr>
-              <a:t>	</a:t>
-            </a:r>
-            <a:r>
-              <a:rPr lang="en-US" sz="1400" u="sng" dirty="0">
-                <a:solidFill>
-                  <a:prstClr val="black"/>
-                </a:solidFill>
-                <a:latin typeface="Calibri"/>
-                <a:cs typeface="Arial" charset="0"/>
-              </a:rPr>
-              <a:t>Request Method (1-10) or Response Code (40-255)</a:t>
-            </a:r>
-          </a:p>
-          <a:p>
-            <a:pPr fontAlgn="base">
-              <a:lnSpc>
-                <a:spcPct val="150000"/>
-              </a:lnSpc>
-              <a:spcBef>
-                <a:spcPct val="0"/>
-              </a:spcBef>
-              <a:spcAft>
-                <a:spcPct val="0"/>
-              </a:spcAft>
-              <a:defRPr/>
-            </a:pPr>
-            <a:r>
-              <a:rPr lang="en-US" sz="1400" b="1" dirty="0">
-                <a:solidFill>
-                  <a:srgbClr val="C00000"/>
-                </a:solidFill>
-                <a:latin typeface="Calibri"/>
-                <a:cs typeface="Arial" charset="0"/>
-              </a:rPr>
-              <a:t>Message ID </a:t>
-            </a:r>
-            <a:r>
-              <a:rPr lang="en-US" sz="1400" dirty="0">
-                <a:solidFill>
-                  <a:prstClr val="black"/>
-                </a:solidFill>
-                <a:latin typeface="Calibri"/>
-                <a:cs typeface="Arial" charset="0"/>
-              </a:rPr>
-              <a:t>– </a:t>
-            </a:r>
-            <a:r>
-              <a:rPr lang="en-US" sz="1400" u="sng" dirty="0">
-                <a:solidFill>
-                  <a:prstClr val="black"/>
-                </a:solidFill>
-                <a:latin typeface="Calibri"/>
-                <a:cs typeface="Arial" charset="0"/>
-              </a:rPr>
-              <a:t>16-bit identifier for matching responses </a:t>
-            </a:r>
-          </a:p>
-          <a:p>
-            <a:pPr fontAlgn="base">
-              <a:lnSpc>
-                <a:spcPct val="150000"/>
-              </a:lnSpc>
-              <a:spcBef>
-                <a:spcPct val="0"/>
-              </a:spcBef>
-              <a:spcAft>
-                <a:spcPct val="0"/>
-              </a:spcAft>
-              <a:defRPr/>
-            </a:pPr>
-            <a:r>
-              <a:rPr lang="en-US" sz="1400" b="1" dirty="0">
-                <a:solidFill>
-                  <a:srgbClr val="C00000"/>
-                </a:solidFill>
-                <a:latin typeface="Calibri"/>
-                <a:cs typeface="Arial" charset="0"/>
-              </a:rPr>
-              <a:t>Token</a:t>
-            </a:r>
-            <a:r>
-              <a:rPr lang="en-US" sz="1400" dirty="0">
-                <a:solidFill>
-                  <a:prstClr val="black"/>
-                </a:solidFill>
-                <a:latin typeface="Calibri"/>
-                <a:cs typeface="Arial" charset="0"/>
-              </a:rPr>
-              <a:t> – Optional response matching token</a:t>
-            </a:r>
-          </a:p>
-        </p:txBody>
-      </p:sp>
-      <p:sp>
-        <p:nvSpPr>
           <p:cNvPr id="6" name="Rectangle 5"/>
           <p:cNvSpPr>
             <a:spLocks noChangeArrowheads="1"/>
@@ -14141,7 +13752,7 @@
         </p:nvSpPr>
         <p:spPr bwMode="auto">
           <a:xfrm>
-            <a:off x="1487488" y="1367115"/>
+            <a:off x="1271464" y="1420247"/>
             <a:ext cx="7489825" cy="369888"/>
           </a:xfrm>
           <a:prstGeom prst="rect">
@@ -14283,7 +13894,7 @@
             </a:lvl9pPr>
           </a:lstStyle>
           <a:p>
-            <a:pPr marL="0" marR="0" lvl="0" indent="0" defTabSz="914400" eaLnBrk="1" fontAlgn="base" latinLnBrk="0" hangingPunct="1">
+            <a:pPr marL="0" marR="0" lvl="0" indent="0" algn="ctr" defTabSz="914400" eaLnBrk="1" fontAlgn="base" latinLnBrk="0" hangingPunct="1">
               <a:lnSpc>
                 <a:spcPct val="100000"/>
               </a:lnSpc>
@@ -14390,8 +14001,8 @@
         </p:blipFill>
         <p:spPr bwMode="auto">
           <a:xfrm>
-            <a:off x="1066800" y="1600200"/>
-            <a:ext cx="8989640" cy="2767013"/>
+            <a:off x="1847528" y="1877110"/>
+            <a:ext cx="5544616" cy="2271970"/>
           </a:xfrm>
           <a:prstGeom prst="rect">
             <a:avLst/>
@@ -14421,10 +14032,272 @@
           </a:extLst>
         </p:spPr>
       </p:pic>
+      <p:sp>
+        <p:nvSpPr>
+          <p:cNvPr id="8" name="Rectangle 5"/>
+          <p:cNvSpPr>
+            <a:spLocks noChangeArrowheads="1"/>
+          </p:cNvSpPr>
+          <p:nvPr/>
+        </p:nvSpPr>
+        <p:spPr bwMode="auto">
+          <a:xfrm>
+            <a:off x="1271464" y="4365104"/>
+            <a:ext cx="10297144" cy="1938992"/>
+          </a:xfrm>
+          <a:prstGeom prst="rect">
+            <a:avLst/>
+          </a:prstGeom>
+          <a:noFill/>
+          <a:ln>
+            <a:noFill/>
+          </a:ln>
+          <a:extLst>
+            <a:ext uri="{909E8E84-426E-40DD-AFC4-6F175D3DCCD1}">
+              <a14:hiddenFill xmlns:a14="http://schemas.microsoft.com/office/drawing/2010/main">
+                <a:solidFill>
+                  <a:srgbClr val="FFFFFF"/>
+                </a:solidFill>
+              </a14:hiddenFill>
+            </a:ext>
+            <a:ext uri="{91240B29-F687-4F45-9708-019B960494DF}">
+              <a14:hiddenLine xmlns:a14="http://schemas.microsoft.com/office/drawing/2010/main" w="9525">
+                <a:solidFill>
+                  <a:srgbClr val="000000"/>
+                </a:solidFill>
+                <a:miter lim="800000"/>
+                <a:headEnd/>
+                <a:tailEnd/>
+              </a14:hiddenLine>
+            </a:ext>
+          </a:extLst>
+        </p:spPr>
+        <p:txBody>
+          <a:bodyPr wrap="square">
+            <a:spAutoFit/>
+          </a:bodyPr>
+          <a:lstStyle>
+            <a:lvl1pPr eaLnBrk="0" hangingPunct="0">
+              <a:defRPr>
+                <a:solidFill>
+                  <a:schemeClr val="tx1"/>
+                </a:solidFill>
+                <a:latin typeface="Arial" panose="020B0604020202020204" pitchFamily="34" charset="0"/>
+                <a:cs typeface="Arial" panose="020B0604020202020204" pitchFamily="34" charset="0"/>
+              </a:defRPr>
+            </a:lvl1pPr>
+            <a:lvl2pPr marL="742950" indent="-285750" eaLnBrk="0" hangingPunct="0">
+              <a:defRPr>
+                <a:solidFill>
+                  <a:schemeClr val="tx1"/>
+                </a:solidFill>
+                <a:latin typeface="Arial" panose="020B0604020202020204" pitchFamily="34" charset="0"/>
+                <a:cs typeface="Arial" panose="020B0604020202020204" pitchFamily="34" charset="0"/>
+              </a:defRPr>
+            </a:lvl2pPr>
+            <a:lvl3pPr marL="1143000" indent="-228600" eaLnBrk="0" hangingPunct="0">
+              <a:defRPr>
+                <a:solidFill>
+                  <a:schemeClr val="tx1"/>
+                </a:solidFill>
+                <a:latin typeface="Arial" panose="020B0604020202020204" pitchFamily="34" charset="0"/>
+                <a:cs typeface="Arial" panose="020B0604020202020204" pitchFamily="34" charset="0"/>
+              </a:defRPr>
+            </a:lvl3pPr>
+            <a:lvl4pPr marL="1600200" indent="-228600" eaLnBrk="0" hangingPunct="0">
+              <a:defRPr>
+                <a:solidFill>
+                  <a:schemeClr val="tx1"/>
+                </a:solidFill>
+                <a:latin typeface="Arial" panose="020B0604020202020204" pitchFamily="34" charset="0"/>
+                <a:cs typeface="Arial" panose="020B0604020202020204" pitchFamily="34" charset="0"/>
+              </a:defRPr>
+            </a:lvl4pPr>
+            <a:lvl5pPr marL="2057400" indent="-228600" eaLnBrk="0" hangingPunct="0">
+              <a:defRPr>
+                <a:solidFill>
+                  <a:schemeClr val="tx1"/>
+                </a:solidFill>
+                <a:latin typeface="Arial" panose="020B0604020202020204" pitchFamily="34" charset="0"/>
+                <a:cs typeface="Arial" panose="020B0604020202020204" pitchFamily="34" charset="0"/>
+              </a:defRPr>
+            </a:lvl5pPr>
+            <a:lvl6pPr marL="2514600" indent="-228600" eaLnBrk="0" fontAlgn="base" hangingPunct="0">
+              <a:spcBef>
+                <a:spcPct val="0"/>
+              </a:spcBef>
+              <a:spcAft>
+                <a:spcPct val="0"/>
+              </a:spcAft>
+              <a:defRPr>
+                <a:solidFill>
+                  <a:schemeClr val="tx1"/>
+                </a:solidFill>
+                <a:latin typeface="Arial" panose="020B0604020202020204" pitchFamily="34" charset="0"/>
+                <a:cs typeface="Arial" panose="020B0604020202020204" pitchFamily="34" charset="0"/>
+              </a:defRPr>
+            </a:lvl6pPr>
+            <a:lvl7pPr marL="2971800" indent="-228600" eaLnBrk="0" fontAlgn="base" hangingPunct="0">
+              <a:spcBef>
+                <a:spcPct val="0"/>
+              </a:spcBef>
+              <a:spcAft>
+                <a:spcPct val="0"/>
+              </a:spcAft>
+              <a:defRPr>
+                <a:solidFill>
+                  <a:schemeClr val="tx1"/>
+                </a:solidFill>
+                <a:latin typeface="Arial" panose="020B0604020202020204" pitchFamily="34" charset="0"/>
+                <a:cs typeface="Arial" panose="020B0604020202020204" pitchFamily="34" charset="0"/>
+              </a:defRPr>
+            </a:lvl7pPr>
+            <a:lvl8pPr marL="3429000" indent="-228600" eaLnBrk="0" fontAlgn="base" hangingPunct="0">
+              <a:spcBef>
+                <a:spcPct val="0"/>
+              </a:spcBef>
+              <a:spcAft>
+                <a:spcPct val="0"/>
+              </a:spcAft>
+              <a:defRPr>
+                <a:solidFill>
+                  <a:schemeClr val="tx1"/>
+                </a:solidFill>
+                <a:latin typeface="Arial" panose="020B0604020202020204" pitchFamily="34" charset="0"/>
+                <a:cs typeface="Arial" panose="020B0604020202020204" pitchFamily="34" charset="0"/>
+              </a:defRPr>
+            </a:lvl8pPr>
+            <a:lvl9pPr marL="3886200" indent="-228600" eaLnBrk="0" fontAlgn="base" hangingPunct="0">
+              <a:spcBef>
+                <a:spcPct val="0"/>
+              </a:spcBef>
+              <a:spcAft>
+                <a:spcPct val="0"/>
+              </a:spcAft>
+              <a:defRPr>
+                <a:solidFill>
+                  <a:schemeClr val="tx1"/>
+                </a:solidFill>
+                <a:latin typeface="Arial" panose="020B0604020202020204" pitchFamily="34" charset="0"/>
+                <a:cs typeface="Arial" panose="020B0604020202020204" pitchFamily="34" charset="0"/>
+              </a:defRPr>
+            </a:lvl9pPr>
+          </a:lstStyle>
+          <a:p>
+            <a:pPr algn="just" eaLnBrk="1" hangingPunct="1">
+              <a:lnSpc>
+                <a:spcPct val="150000"/>
+              </a:lnSpc>
+            </a:pPr>
+            <a:r>
+              <a:rPr lang="en-US" altLang="vi-VN" sz="1600" b="1" dirty="0">
+                <a:latin typeface="Times New Roman" panose="02020603050405020304" pitchFamily="18" charset="0"/>
+                <a:cs typeface="Times New Roman" panose="02020603050405020304" pitchFamily="18" charset="0"/>
+              </a:rPr>
+              <a:t>Option Delta </a:t>
+            </a:r>
+            <a:r>
+              <a:rPr lang="en-US" altLang="vi-VN" sz="1600" dirty="0">
+                <a:latin typeface="Times New Roman" panose="02020603050405020304" pitchFamily="18" charset="0"/>
+                <a:cs typeface="Times New Roman" panose="02020603050405020304" pitchFamily="18" charset="0"/>
+              </a:rPr>
+              <a:t>- Difference between this option type and the previous.</a:t>
+            </a:r>
+          </a:p>
+          <a:p>
+            <a:pPr algn="just" eaLnBrk="1" hangingPunct="1">
+              <a:lnSpc>
+                <a:spcPct val="150000"/>
+              </a:lnSpc>
+            </a:pPr>
+            <a:r>
+              <a:rPr lang="en-US" altLang="vi-VN" sz="1600" dirty="0">
+                <a:latin typeface="Times New Roman" panose="02020603050405020304" pitchFamily="18" charset="0"/>
+                <a:cs typeface="Times New Roman" panose="02020603050405020304" pitchFamily="18" charset="0"/>
+              </a:rPr>
+              <a:t>	</a:t>
+            </a:r>
+            <a:r>
+              <a:rPr lang="en-US" altLang="vi-VN" sz="1600" u="sng" dirty="0">
+                <a:latin typeface="Times New Roman" panose="02020603050405020304" pitchFamily="18" charset="0"/>
+                <a:cs typeface="Times New Roman" panose="02020603050405020304" pitchFamily="18" charset="0"/>
+              </a:rPr>
+              <a:t>4 bit unsigned integer. A value between 0 and 12 indicates the Optional Delta. </a:t>
+            </a:r>
+          </a:p>
+          <a:p>
+            <a:pPr algn="just" eaLnBrk="1" hangingPunct="1">
+              <a:lnSpc>
+                <a:spcPct val="150000"/>
+              </a:lnSpc>
+            </a:pPr>
+            <a:r>
+              <a:rPr lang="en-US" altLang="vi-VN" sz="1600" b="1" dirty="0">
+                <a:latin typeface="Times New Roman" panose="02020603050405020304" pitchFamily="18" charset="0"/>
+                <a:cs typeface="Times New Roman" panose="02020603050405020304" pitchFamily="18" charset="0"/>
+              </a:rPr>
+              <a:t>Length</a:t>
+            </a:r>
+            <a:r>
+              <a:rPr lang="en-US" altLang="vi-VN" sz="1600" dirty="0">
+                <a:latin typeface="Times New Roman" panose="02020603050405020304" pitchFamily="18" charset="0"/>
+                <a:cs typeface="Times New Roman" panose="02020603050405020304" pitchFamily="18" charset="0"/>
+              </a:rPr>
+              <a:t> - Length of the option value</a:t>
+            </a:r>
+          </a:p>
+          <a:p>
+            <a:pPr algn="just" eaLnBrk="1" hangingPunct="1">
+              <a:lnSpc>
+                <a:spcPct val="150000"/>
+              </a:lnSpc>
+            </a:pPr>
+            <a:r>
+              <a:rPr lang="en-US" altLang="vi-VN" sz="1600" dirty="0">
+                <a:latin typeface="Times New Roman" panose="02020603050405020304" pitchFamily="18" charset="0"/>
+                <a:cs typeface="Times New Roman" panose="02020603050405020304" pitchFamily="18" charset="0"/>
+              </a:rPr>
+              <a:t>	</a:t>
+            </a:r>
+            <a:r>
+              <a:rPr lang="en-US" altLang="vi-VN" sz="1600" u="sng" dirty="0">
+                <a:latin typeface="Times New Roman" panose="02020603050405020304" pitchFamily="18" charset="0"/>
+                <a:cs typeface="Times New Roman" panose="02020603050405020304" pitchFamily="18" charset="0"/>
+              </a:rPr>
+              <a:t>4 bit unsigned integer. A value between 0 and 12 indicates the  length of the Optional Value, in bytes.</a:t>
+            </a:r>
+            <a:endParaRPr lang="en-US" altLang="vi-VN" sz="1600" dirty="0">
+              <a:latin typeface="Times New Roman" panose="02020603050405020304" pitchFamily="18" charset="0"/>
+              <a:cs typeface="Times New Roman" panose="02020603050405020304" pitchFamily="18" charset="0"/>
+            </a:endParaRPr>
+          </a:p>
+          <a:p>
+            <a:pPr algn="just" eaLnBrk="1" hangingPunct="1">
+              <a:lnSpc>
+                <a:spcPct val="150000"/>
+              </a:lnSpc>
+            </a:pPr>
+            <a:r>
+              <a:rPr lang="en-US" altLang="vi-VN" sz="1600" b="1" dirty="0">
+                <a:latin typeface="Times New Roman" panose="02020603050405020304" pitchFamily="18" charset="0"/>
+                <a:cs typeface="Times New Roman" panose="02020603050405020304" pitchFamily="18" charset="0"/>
+              </a:rPr>
+              <a:t>Value</a:t>
+            </a:r>
+            <a:r>
+              <a:rPr lang="en-US" altLang="vi-VN" sz="1600" dirty="0">
+                <a:latin typeface="Times New Roman" panose="02020603050405020304" pitchFamily="18" charset="0"/>
+                <a:cs typeface="Times New Roman" panose="02020603050405020304" pitchFamily="18" charset="0"/>
+              </a:rPr>
+              <a:t> - The value of Length bytes immediately follows Length</a:t>
+            </a:r>
+          </a:p>
+        </p:txBody>
+      </p:sp>
     </p:spTree>
     <p:extLst>
       <p:ext uri="{BB962C8B-B14F-4D97-AF65-F5344CB8AC3E}">
-        <p14:creationId xmlns:p14="http://schemas.microsoft.com/office/powerpoint/2010/main" val="1352389961"/>
+        <p14:creationId xmlns:p14="http://schemas.microsoft.com/office/powerpoint/2010/main" val="989449548"/>
       </p:ext>
     </p:extLst>
   </p:cSld>
@@ -14443,6 +14316,236 @@
 </file>
 
 <file path=ppt/slides/slide15.xml><?xml version="1.0" encoding="utf-8"?>
+<p:sld xmlns:a="http://schemas.openxmlformats.org/drawingml/2006/main" xmlns:r="http://schemas.openxmlformats.org/officeDocument/2006/relationships" xmlns:p="http://schemas.openxmlformats.org/presentationml/2006/main">
+  <p:cSld>
+    <p:spTree>
+      <p:nvGrpSpPr>
+        <p:cNvPr id="1" name=""/>
+        <p:cNvGrpSpPr/>
+        <p:nvPr/>
+      </p:nvGrpSpPr>
+      <p:grpSpPr>
+        <a:xfrm>
+          <a:off x="0" y="0"/>
+          <a:ext cx="0" cy="0"/>
+          <a:chOff x="0" y="0"/>
+          <a:chExt cx="0" cy="0"/>
+        </a:xfrm>
+      </p:grpSpPr>
+      <p:sp>
+        <p:nvSpPr>
+          <p:cNvPr id="2" name="Title 1"/>
+          <p:cNvSpPr txBox="1">
+            <a:spLocks/>
+          </p:cNvSpPr>
+          <p:nvPr/>
+        </p:nvSpPr>
+        <p:spPr bwMode="auto">
+          <a:xfrm>
+            <a:off x="2133603" y="70992"/>
+            <a:ext cx="8294687" cy="1077218"/>
+          </a:xfrm>
+          <a:prstGeom prst="rect">
+            <a:avLst/>
+          </a:prstGeom>
+          <a:noFill/>
+          <a:ln w="9525">
+            <a:noFill/>
+            <a:miter lim="800000"/>
+            <a:headEnd/>
+            <a:tailEnd/>
+          </a:ln>
+          <a:effectLst>
+            <a:outerShdw dist="45791" dir="2021404" algn="ctr" rotWithShape="0">
+              <a:schemeClr val="folHlink">
+                <a:alpha val="50000"/>
+              </a:schemeClr>
+            </a:outerShdw>
+          </a:effectLst>
+        </p:spPr>
+        <p:txBody>
+          <a:bodyPr vert="horz" wrap="square" lIns="91440" tIns="45720" rIns="91440" bIns="45720" numCol="1" anchor="ctr" anchorCtr="0" compatLnSpc="1">
+            <a:prstTxWarp prst="textNoShape">
+              <a:avLst/>
+            </a:prstTxWarp>
+            <a:spAutoFit/>
+          </a:bodyPr>
+          <a:lstStyle>
+            <a:lvl1pPr algn="l" rtl="0" eaLnBrk="1" fontAlgn="base" hangingPunct="1">
+              <a:spcBef>
+                <a:spcPct val="0"/>
+              </a:spcBef>
+              <a:spcAft>
+                <a:spcPct val="0"/>
+              </a:spcAft>
+              <a:defRPr sz="3200" b="1">
+                <a:solidFill>
+                  <a:schemeClr val="bg1"/>
+                </a:solidFill>
+                <a:latin typeface="Century Gothic" pitchFamily="34" charset="0"/>
+                <a:ea typeface="+mj-ea"/>
+                <a:cs typeface="+mj-cs"/>
+              </a:defRPr>
+            </a:lvl1pPr>
+            <a:lvl2pPr algn="l" rtl="0" eaLnBrk="1" fontAlgn="base" hangingPunct="1">
+              <a:spcBef>
+                <a:spcPct val="0"/>
+              </a:spcBef>
+              <a:spcAft>
+                <a:spcPct val="0"/>
+              </a:spcAft>
+              <a:defRPr sz="3200" b="1">
+                <a:solidFill>
+                  <a:schemeClr val="bg1"/>
+                </a:solidFill>
+                <a:latin typeface="Century Gothic" pitchFamily="34" charset="0"/>
+                <a:cs typeface="Tahoma" charset="0"/>
+              </a:defRPr>
+            </a:lvl2pPr>
+            <a:lvl3pPr algn="l" rtl="0" eaLnBrk="1" fontAlgn="base" hangingPunct="1">
+              <a:spcBef>
+                <a:spcPct val="0"/>
+              </a:spcBef>
+              <a:spcAft>
+                <a:spcPct val="0"/>
+              </a:spcAft>
+              <a:defRPr sz="3200" b="1">
+                <a:solidFill>
+                  <a:schemeClr val="bg1"/>
+                </a:solidFill>
+                <a:latin typeface="Century Gothic" pitchFamily="34" charset="0"/>
+                <a:cs typeface="Tahoma" charset="0"/>
+              </a:defRPr>
+            </a:lvl3pPr>
+            <a:lvl4pPr algn="l" rtl="0" eaLnBrk="1" fontAlgn="base" hangingPunct="1">
+              <a:spcBef>
+                <a:spcPct val="0"/>
+              </a:spcBef>
+              <a:spcAft>
+                <a:spcPct val="0"/>
+              </a:spcAft>
+              <a:defRPr sz="3200" b="1">
+                <a:solidFill>
+                  <a:schemeClr val="bg1"/>
+                </a:solidFill>
+                <a:latin typeface="Century Gothic" pitchFamily="34" charset="0"/>
+                <a:cs typeface="Tahoma" charset="0"/>
+              </a:defRPr>
+            </a:lvl4pPr>
+            <a:lvl5pPr algn="l" rtl="0" eaLnBrk="1" fontAlgn="base" hangingPunct="1">
+              <a:spcBef>
+                <a:spcPct val="0"/>
+              </a:spcBef>
+              <a:spcAft>
+                <a:spcPct val="0"/>
+              </a:spcAft>
+              <a:defRPr sz="3200" b="1">
+                <a:solidFill>
+                  <a:schemeClr val="bg1"/>
+                </a:solidFill>
+                <a:latin typeface="Century Gothic" pitchFamily="34" charset="0"/>
+                <a:cs typeface="Tahoma" charset="0"/>
+              </a:defRPr>
+            </a:lvl5pPr>
+            <a:lvl6pPr marL="457200" algn="l" rtl="0" eaLnBrk="1" fontAlgn="base" hangingPunct="1">
+              <a:spcBef>
+                <a:spcPct val="0"/>
+              </a:spcBef>
+              <a:spcAft>
+                <a:spcPct val="0"/>
+              </a:spcAft>
+              <a:defRPr sz="3200" b="1">
+                <a:solidFill>
+                  <a:schemeClr val="bg1"/>
+                </a:solidFill>
+                <a:latin typeface="Georgia" pitchFamily="18" charset="0"/>
+                <a:cs typeface="Tahoma" charset="0"/>
+              </a:defRPr>
+            </a:lvl6pPr>
+            <a:lvl7pPr marL="914400" algn="l" rtl="0" eaLnBrk="1" fontAlgn="base" hangingPunct="1">
+              <a:spcBef>
+                <a:spcPct val="0"/>
+              </a:spcBef>
+              <a:spcAft>
+                <a:spcPct val="0"/>
+              </a:spcAft>
+              <a:defRPr sz="3200" b="1">
+                <a:solidFill>
+                  <a:schemeClr val="bg1"/>
+                </a:solidFill>
+                <a:latin typeface="Georgia" pitchFamily="18" charset="0"/>
+                <a:cs typeface="Tahoma" charset="0"/>
+              </a:defRPr>
+            </a:lvl7pPr>
+            <a:lvl8pPr marL="1371600" algn="l" rtl="0" eaLnBrk="1" fontAlgn="base" hangingPunct="1">
+              <a:spcBef>
+                <a:spcPct val="0"/>
+              </a:spcBef>
+              <a:spcAft>
+                <a:spcPct val="0"/>
+              </a:spcAft>
+              <a:defRPr sz="3200" b="1">
+                <a:solidFill>
+                  <a:schemeClr val="bg1"/>
+                </a:solidFill>
+                <a:latin typeface="Georgia" pitchFamily="18" charset="0"/>
+                <a:cs typeface="Tahoma" charset="0"/>
+              </a:defRPr>
+            </a:lvl8pPr>
+            <a:lvl9pPr marL="1828800" algn="l" rtl="0" eaLnBrk="1" fontAlgn="base" hangingPunct="1">
+              <a:spcBef>
+                <a:spcPct val="0"/>
+              </a:spcBef>
+              <a:spcAft>
+                <a:spcPct val="0"/>
+              </a:spcAft>
+              <a:defRPr sz="3200" b="1">
+                <a:solidFill>
+                  <a:schemeClr val="bg1"/>
+                </a:solidFill>
+                <a:latin typeface="Georgia" pitchFamily="18" charset="0"/>
+                <a:cs typeface="Tahoma" charset="0"/>
+              </a:defRPr>
+            </a:lvl9pPr>
+          </a:lstStyle>
+          <a:p>
+            <a:r>
+              <a:rPr lang="fi-FI" kern="0" dirty="0" smtClean="0"/>
+              <a:t>CoAP</a:t>
+            </a:r>
+            <a:br>
+              <a:rPr lang="fi-FI" kern="0" dirty="0" smtClean="0"/>
+            </a:br>
+            <a:r>
+              <a:rPr lang="fi-FI" kern="0" dirty="0" smtClean="0"/>
+              <a:t>Workflow</a:t>
+            </a:r>
+            <a:endParaRPr lang="fi-FI" sz="2900" kern="0" dirty="0"/>
+          </a:p>
+        </p:txBody>
+      </p:sp>
+    </p:spTree>
+    <p:extLst>
+      <p:ext uri="{BB962C8B-B14F-4D97-AF65-F5344CB8AC3E}">
+        <p14:creationId xmlns:p14="http://schemas.microsoft.com/office/powerpoint/2010/main" val="1730123782"/>
+      </p:ext>
+    </p:extLst>
+  </p:cSld>
+  <p:clrMapOvr>
+    <a:masterClrMapping/>
+  </p:clrMapOvr>
+  <p:transition/>
+  <p:timing>
+    <p:tnLst>
+      <p:par>
+        <p:cTn id="1" dur="indefinite" restart="never" nodeType="tmRoot"/>
+      </p:par>
+    </p:tnLst>
+  </p:timing>
+</p:sld>
+</file>
+
+<file path=ppt/slides/slide16.xml><?xml version="1.0" encoding="utf-8"?>
 <p:sld xmlns:a="http://schemas.openxmlformats.org/drawingml/2006/main" xmlns:r="http://schemas.openxmlformats.org/officeDocument/2006/relationships" xmlns:p="http://schemas.openxmlformats.org/presentationml/2006/main">
   <p:cSld>
     <p:spTree>
@@ -14937,8 +15040,15 @@
                 <a:latin typeface="Times New Roman" panose="02020603050405020304" pitchFamily="18" charset="0"/>
                 <a:cs typeface="Times New Roman" panose="02020603050405020304" pitchFamily="18" charset="0"/>
               </a:rPr>
-              <a:t>Overview</a:t>
-            </a:r>
+              <a:t>CoAP Overview</a:t>
+            </a:r>
+            <a:endParaRPr lang="fi-FI" sz="2900" b="0" kern="0" dirty="0" smtClean="0">
+              <a:solidFill>
+                <a:schemeClr val="tx1"/>
+              </a:solidFill>
+              <a:latin typeface="Times New Roman" panose="02020603050405020304" pitchFamily="18" charset="0"/>
+              <a:cs typeface="Times New Roman" panose="02020603050405020304" pitchFamily="18" charset="0"/>
+            </a:endParaRPr>
           </a:p>
           <a:p>
             <a:pPr marL="457200" indent="-457200">
@@ -14953,8 +15063,25 @@
                 <a:latin typeface="Times New Roman" panose="02020603050405020304" pitchFamily="18" charset="0"/>
                 <a:cs typeface="Times New Roman" panose="02020603050405020304" pitchFamily="18" charset="0"/>
               </a:rPr>
-              <a:t>CoAP methods</a:t>
-            </a:r>
+              <a:t>CoAP </a:t>
+            </a:r>
+            <a:r>
+              <a:rPr lang="fi-FI" sz="2900" b="0" kern="0" dirty="0" smtClean="0">
+                <a:solidFill>
+                  <a:schemeClr val="tx1"/>
+                </a:solidFill>
+                <a:latin typeface="Times New Roman" panose="02020603050405020304" pitchFamily="18" charset="0"/>
+                <a:cs typeface="Times New Roman" panose="02020603050405020304" pitchFamily="18" charset="0"/>
+              </a:rPr>
+              <a:t>Methods</a:t>
+            </a:r>
+            <a:endParaRPr lang="fi-FI" sz="2900" b="0" kern="0" dirty="0" smtClean="0">
+              <a:solidFill>
+                <a:schemeClr val="tx1"/>
+              </a:solidFill>
+              <a:latin typeface="Times New Roman" panose="02020603050405020304" pitchFamily="18" charset="0"/>
+              <a:cs typeface="Times New Roman" panose="02020603050405020304" pitchFamily="18" charset="0"/>
+            </a:endParaRPr>
           </a:p>
           <a:p>
             <a:pPr marL="457200" indent="-457200">
@@ -14969,7 +15096,27 @@
                 <a:latin typeface="Times New Roman" panose="02020603050405020304" pitchFamily="18" charset="0"/>
                 <a:cs typeface="Times New Roman" panose="02020603050405020304" pitchFamily="18" charset="0"/>
               </a:rPr>
-              <a:t>CoAP message format</a:t>
+              <a:t>CoAP </a:t>
+            </a:r>
+            <a:r>
+              <a:rPr lang="fi-FI" sz="2900" b="0" kern="0" dirty="0" smtClean="0">
+                <a:solidFill>
+                  <a:schemeClr val="tx1"/>
+                </a:solidFill>
+                <a:latin typeface="Times New Roman" panose="02020603050405020304" pitchFamily="18" charset="0"/>
+                <a:cs typeface="Times New Roman" panose="02020603050405020304" pitchFamily="18" charset="0"/>
+              </a:rPr>
+              <a:t>Message </a:t>
+            </a:r>
+            <a:r>
+              <a:rPr lang="fi-FI" sz="2900" b="0" kern="0" dirty="0" smtClean="0">
+                <a:solidFill>
+                  <a:schemeClr val="tx1"/>
+                </a:solidFill>
+                <a:latin typeface="Times New Roman" panose="02020603050405020304" pitchFamily="18" charset="0"/>
+                <a:cs typeface="Times New Roman" panose="02020603050405020304" pitchFamily="18" charset="0"/>
+              </a:rPr>
+              <a:t>format</a:t>
             </a:r>
           </a:p>
           <a:p>
@@ -14985,7 +15132,27 @@
                 <a:latin typeface="Times New Roman" panose="02020603050405020304" pitchFamily="18" charset="0"/>
                 <a:cs typeface="Times New Roman" panose="02020603050405020304" pitchFamily="18" charset="0"/>
               </a:rPr>
-              <a:t>CoAP workflow</a:t>
+              <a:t>CoAP </a:t>
+            </a:r>
+            <a:r>
+              <a:rPr lang="fi-FI" sz="2900" b="0" kern="0" dirty="0">
+                <a:solidFill>
+                  <a:schemeClr val="tx1"/>
+                </a:solidFill>
+                <a:latin typeface="Times New Roman" panose="02020603050405020304" pitchFamily="18" charset="0"/>
+                <a:cs typeface="Times New Roman" panose="02020603050405020304" pitchFamily="18" charset="0"/>
+              </a:rPr>
+              <a:t>W</a:t>
+            </a:r>
+            <a:r>
+              <a:rPr lang="fi-FI" sz="2900" b="0" kern="0" dirty="0" smtClean="0">
+                <a:solidFill>
+                  <a:schemeClr val="tx1"/>
+                </a:solidFill>
+                <a:latin typeface="Times New Roman" panose="02020603050405020304" pitchFamily="18" charset="0"/>
+                <a:cs typeface="Times New Roman" panose="02020603050405020304" pitchFamily="18" charset="0"/>
+              </a:rPr>
+              <a:t>orkflow</a:t>
             </a:r>
             <a:endParaRPr lang="fi-FI" sz="2900" b="0" kern="0" dirty="0">
               <a:solidFill>
@@ -15384,7 +15551,7 @@
         </p:blipFill>
         <p:spPr bwMode="auto">
           <a:xfrm>
-            <a:off x="1415480" y="3429000"/>
+            <a:off x="1571306" y="3275023"/>
             <a:ext cx="8856984" cy="3024336"/>
           </a:xfrm>
           <a:prstGeom prst="rect">
@@ -19333,25 +19500,7 @@
                 </a:solidFill>
                 <a:latin typeface="Perpetua" pitchFamily="18" charset="0"/>
               </a:rPr>
-              <a:t>The </a:t>
-            </a:r>
-            <a:r>
-              <a:rPr lang="en-US" altLang="en-US" sz="1600" dirty="0" smtClean="0">
-                <a:solidFill>
-                  <a:srgbClr val="000000"/>
-                </a:solidFill>
-                <a:latin typeface="Perpetua" pitchFamily="18" charset="0"/>
-              </a:rPr>
-              <a:t>POST method is used to request the server to create a new subordinate resource under the requested parent </a:t>
-            </a:r>
-            <a:r>
-              <a:rPr lang="en-US" altLang="en-US" sz="1600" dirty="0" smtClean="0">
-                <a:solidFill>
-                  <a:srgbClr val="000000"/>
-                </a:solidFill>
-                <a:latin typeface="Perpetua" pitchFamily="18" charset="0"/>
-              </a:rPr>
-              <a:t>URI.</a:t>
+              <a:t>The POST method is used to request the server to create a new subordinate resource under the requested parent URI.</a:t>
             </a:r>
           </a:p>
           <a:p>
@@ -19375,16 +19524,7 @@
                 </a:solidFill>
                 <a:latin typeface="Perpetua" pitchFamily="18" charset="0"/>
               </a:rPr>
-              <a:t>If </a:t>
-            </a:r>
-            <a:r>
-              <a:rPr lang="en-US" altLang="en-US" sz="1600" dirty="0" smtClean="0">
-                <a:solidFill>
-                  <a:srgbClr val="000000"/>
-                </a:solidFill>
-                <a:latin typeface="Perpetua" pitchFamily="18" charset="0"/>
-              </a:rPr>
-              <a:t>a resource has been created on the server, the response SHOULD be 201 (Created) including the URI of the new resource in a Location Option with any possible status in the message body.</a:t>
+              <a:t>If a resource has been created on the server, the response SHOULD be 201 (Created) including the URI of the new resource in a Location Option with any possible status in the message body.</a:t>
             </a:r>
           </a:p>
           <a:p>
@@ -19408,16 +19548,7 @@
                 </a:solidFill>
                 <a:latin typeface="Perpetua" pitchFamily="18" charset="0"/>
               </a:rPr>
-              <a:t>If </a:t>
-            </a:r>
-            <a:r>
-              <a:rPr lang="en-US" altLang="en-US" sz="1600" dirty="0" smtClean="0">
-                <a:solidFill>
-                  <a:srgbClr val="000000"/>
-                </a:solidFill>
-                <a:latin typeface="Perpetua" pitchFamily="18" charset="0"/>
-              </a:rPr>
-              <a:t>the POST succeeds but does not result in a new resource being created on the server, a 200 (OK) response code SHOULD be returned.</a:t>
+              <a:t>If the POST succeeds but does not result in a new resource being created on the server, a 200 (OK) response code SHOULD be returned.</a:t>
             </a:r>
           </a:p>
         </p:txBody>

--- a/CoAPreport.pptx
+++ b/CoAPreport.pptx
@@ -2613,7 +2613,7 @@
         </p:nvGraphicFramePr>
         <p:xfrm>
           <a:off x="700326" y="1656261"/>
-          <a:ext cx="11161240" cy="4691452"/>
+          <a:ext cx="11161240" cy="4552296"/>
         </p:xfrm>
         <a:graphic>
           <a:graphicData uri="http://schemas.openxmlformats.org/drawingml/2006/table">
@@ -4526,37 +4526,7 @@
                           <a:ea typeface="Malgun Gothic" panose="020B0503020000020004" pitchFamily="34" charset="-127"/>
                           <a:cs typeface="Times New Roman" panose="02020603050405020304" pitchFamily="18" charset="0"/>
                         </a:rPr>
-                        <a:t>The browser usually alerts the user that </a:t>
-                      </a:r>
-                      <a:r>
-                        <a:rPr kumimoji="0" lang="en-US" altLang="en-US" sz="1200" b="0" i="0" u="none" strike="noStrike" cap="none" normalizeH="0" baseline="0" dirty="0" smtClean="0">
-                          <a:ln>
-                            <a:noFill/>
-                          </a:ln>
-                          <a:solidFill>
-                            <a:schemeClr val="tx1"/>
-                          </a:solidFill>
-                          <a:effectLst/>
-                          <a:latin typeface="Perpetua" pitchFamily="18" charset="0"/>
-                          <a:ea typeface="Malgun Gothic" panose="020B0503020000020004" pitchFamily="34" charset="-127"/>
-                          <a:cs typeface="Times New Roman" panose="02020603050405020304" pitchFamily="18" charset="0"/>
-                        </a:rPr>
-                        <a:t>data</a:t>
-                      </a:r>
-                      <a:r>
-                        <a:rPr kumimoji="0" lang="en-US" altLang="en-US" sz="1200" b="0" i="0" u="none" strike="noStrike" cap="none" normalizeH="0" baseline="0" dirty="0" smtClean="0">
-                          <a:ln>
-                            <a:noFill/>
-                          </a:ln>
-                          <a:solidFill>
-                            <a:schemeClr val="tx1"/>
-                          </a:solidFill>
-                          <a:effectLst/>
-                          <a:latin typeface="Perpetua" pitchFamily="18" charset="0"/>
-                          <a:ea typeface="Malgun Gothic" panose="020B0503020000020004" pitchFamily="34" charset="-127"/>
-                          <a:cs typeface="Times New Roman" panose="02020603050405020304" pitchFamily="18" charset="0"/>
-                        </a:rPr>
-                        <a:t> will need to be re-submitted.</a:t>
+                        <a:t>The browser usually alerts the user that data will need to be re-submitted.</a:t>
                       </a:r>
                       <a:endParaRPr kumimoji="0" lang="en-US" altLang="en-US" sz="1200" b="0" i="0" u="none" strike="noStrike" cap="none" normalizeH="0" baseline="0" dirty="0" smtClean="0">
                         <a:ln>
@@ -16198,6 +16168,36 @@
           </a:p>
         </p:txBody>
       </p:sp>
+      <p:pic>
+        <p:nvPicPr>
+          <p:cNvPr id="4" name="Picture 3"/>
+          <p:cNvPicPr>
+            <a:picLocks noChangeAspect="1"/>
+          </p:cNvPicPr>
+          <p:nvPr/>
+        </p:nvPicPr>
+        <p:blipFill>
+          <a:blip r:embed="rId2">
+            <a:extLst>
+              <a:ext uri="{28A0092B-C50C-407E-A947-70E740481C1C}">
+                <a14:useLocalDpi xmlns:a14="http://schemas.microsoft.com/office/drawing/2010/main" val="0"/>
+              </a:ext>
+            </a:extLst>
+          </a:blip>
+          <a:stretch>
+            <a:fillRect/>
+          </a:stretch>
+        </p:blipFill>
+        <p:spPr>
+          <a:xfrm>
+            <a:off x="6960096" y="1484784"/>
+            <a:ext cx="4486901" cy="3010320"/>
+          </a:xfrm>
+          <a:prstGeom prst="rect">
+            <a:avLst/>
+          </a:prstGeom>
+        </p:spPr>
+      </p:pic>
     </p:spTree>
     <p:extLst>
       <p:ext uri="{BB962C8B-B14F-4D97-AF65-F5344CB8AC3E}">
@@ -17546,17 +17546,7 @@
                 <a:latin typeface="Times New Roman" panose="02020603050405020304" pitchFamily="18" charset="0"/>
                 <a:cs typeface="Times New Roman" panose="02020603050405020304" pitchFamily="18" charset="0"/>
               </a:rPr>
-              <a:t>CoAP </a:t>
-            </a:r>
-            <a:r>
-              <a:rPr lang="fi-FI" sz="2900" b="0" kern="0" dirty="0" smtClean="0">
-                <a:solidFill>
-                  <a:schemeClr val="tx1"/>
-                </a:solidFill>
-                <a:latin typeface="Times New Roman" panose="02020603050405020304" pitchFamily="18" charset="0"/>
-                <a:cs typeface="Times New Roman" panose="02020603050405020304" pitchFamily="18" charset="0"/>
-              </a:rPr>
-              <a:t>Workflow</a:t>
+              <a:t>CoAP Workflow</a:t>
             </a:r>
           </a:p>
           <a:p>
@@ -18111,7 +18101,6 @@
               <a:rPr lang="fi-FI" kern="0" dirty="0"/>
               <a:t>Implementation</a:t>
             </a:r>
-            <a:endParaRPr lang="fi-FI" kern="0" dirty="0"/>
           </a:p>
         </p:txBody>
       </p:sp>
@@ -19105,7 +19094,6 @@
               <a:rPr lang="fi-FI" kern="0" dirty="0"/>
               <a:t>Implementation</a:t>
             </a:r>
-            <a:endParaRPr lang="fi-FI" kern="0" dirty="0"/>
           </a:p>
         </p:txBody>
       </p:sp>
@@ -19678,14 +19666,7 @@
                           <a:latin typeface="Times New Roman" panose="02020603050405020304" pitchFamily="18" charset="0"/>
                           <a:cs typeface="Times New Roman" panose="02020603050405020304" pitchFamily="18" charset="0"/>
                         </a:rPr>
-                        <a:t>Uint16_t </a:t>
-                      </a:r>
-                      <a:r>
-                        <a:rPr lang="en-US" sz="1600" dirty="0" smtClean="0">
-                          <a:latin typeface="Times New Roman" panose="02020603050405020304" pitchFamily="18" charset="0"/>
-                          <a:cs typeface="Times New Roman" panose="02020603050405020304" pitchFamily="18" charset="0"/>
-                        </a:rPr>
-                        <a:t>put(</a:t>
+                        <a:t>Uint16_t put(</a:t>
                       </a:r>
                       <a:r>
                         <a:rPr lang="en-US" sz="1600" dirty="0" err="1" smtClean="0">
@@ -19855,14 +19836,7 @@
                           <a:latin typeface="Times New Roman" panose="02020603050405020304" pitchFamily="18" charset="0"/>
                           <a:cs typeface="Times New Roman" panose="02020603050405020304" pitchFamily="18" charset="0"/>
                         </a:rPr>
-                        <a:t>Uint16_t </a:t>
-                      </a:r>
-                      <a:r>
-                        <a:rPr lang="en-US" sz="1600" dirty="0" smtClean="0">
-                          <a:latin typeface="Times New Roman" panose="02020603050405020304" pitchFamily="18" charset="0"/>
-                          <a:cs typeface="Times New Roman" panose="02020603050405020304" pitchFamily="18" charset="0"/>
-                        </a:rPr>
-                        <a:t>post(</a:t>
+                        <a:t>Uint16_t post(</a:t>
                       </a:r>
                       <a:r>
                         <a:rPr lang="en-US" sz="1600" dirty="0" err="1" smtClean="0">
@@ -20258,14 +20232,7 @@
                           <a:latin typeface="Times New Roman" panose="02020603050405020304" pitchFamily="18" charset="0"/>
                           <a:cs typeface="Times New Roman" panose="02020603050405020304" pitchFamily="18" charset="0"/>
                         </a:rPr>
-                        <a:t>Uint16_t </a:t>
-                      </a:r>
-                      <a:r>
-                        <a:rPr lang="en-US" sz="1600" dirty="0" smtClean="0">
-                          <a:latin typeface="Times New Roman" panose="02020603050405020304" pitchFamily="18" charset="0"/>
-                          <a:cs typeface="Times New Roman" panose="02020603050405020304" pitchFamily="18" charset="0"/>
-                        </a:rPr>
-                        <a:t>send(</a:t>
+                        <a:t>Uint16_t send(</a:t>
                       </a:r>
                       <a:r>
                         <a:rPr lang="en-US" sz="1600" dirty="0" err="1" smtClean="0">
@@ -20613,7 +20580,6 @@
               <a:rPr lang="fi-FI" kern="0" dirty="0"/>
               <a:t>Implementation</a:t>
             </a:r>
-            <a:endParaRPr lang="fi-FI" kern="0" dirty="0"/>
           </a:p>
         </p:txBody>
       </p:sp>
@@ -21532,7 +21498,6 @@
               <a:rPr lang="fi-FI" kern="0" dirty="0"/>
               <a:t>Implementation</a:t>
             </a:r>
-            <a:endParaRPr lang="fi-FI" kern="0" dirty="0"/>
           </a:p>
         </p:txBody>
       </p:sp>
@@ -22898,7 +22863,6 @@
               <a:rPr lang="fi-FI" kern="0" dirty="0"/>
               <a:t>Implementation</a:t>
             </a:r>
-            <a:endParaRPr lang="fi-FI" kern="0" dirty="0"/>
           </a:p>
         </p:txBody>
       </p:sp>
